--- a/Assignment/Assignment 3-Jiahui_Yang.pptx
+++ b/Assignment/Assignment 3-Jiahui_Yang.pptx
@@ -264,7 +264,7 @@
       </p15:sldGuideLst>
     </p:ext>
     <p:ext uri="GoogleSlidesCustomDataVersion2">
-      <go:slidesCustomData xmlns="" xmlns:mc="http://schemas.openxmlformats.org/markup-compatibility/2006" xmlns:mv="urn:schemas-microsoft-com:mac:vml" xmlns:c="http://schemas.openxmlformats.org/drawingml/2006/chart" xmlns:dgm="http://schemas.openxmlformats.org/drawingml/2006/diagram" xmlns:o="urn:schemas-microsoft-com:office:office" xmlns:v="urn:schemas-microsoft-com:vml" xmlns:pvml="urn:schemas-microsoft-com:office:powerpoint" xmlns:com="http://schemas.openxmlformats.org/drawingml/2006/compatibility" xmlns:p14="http://schemas.microsoft.com/office/powerpoint/2010/main" xmlns:p15="http://schemas.microsoft.com/office/powerpoint/2012/main" xmlns:ahyp="http://schemas.microsoft.com/office/drawing/2018/hyperlinkcolor" xmlns:go="http://customooxmlschemas.google.com/" r:id="rId14" roundtripDataSignature="AMtx7mj2vlPlYJyQ+Ye10S9AoINL2ARvTA=="/>
+      <go:slidesCustomData xmlns:go="http://customooxmlschemas.google.com/" xmlns:ahyp="http://schemas.microsoft.com/office/drawing/2018/hyperlinkcolor" xmlns:p15="http://schemas.microsoft.com/office/powerpoint/2012/main" xmlns:p14="http://schemas.microsoft.com/office/powerpoint/2010/main" xmlns:com="http://schemas.openxmlformats.org/drawingml/2006/compatibility" xmlns:pvml="urn:schemas-microsoft-com:office:powerpoint" xmlns:v="urn:schemas-microsoft-com:vml" xmlns:o="urn:schemas-microsoft-com:office:office" xmlns:dgm="http://schemas.openxmlformats.org/drawingml/2006/diagram" xmlns:c="http://schemas.openxmlformats.org/drawingml/2006/chart" xmlns:mv="urn:schemas-microsoft-com:mac:vml" xmlns:mc="http://schemas.openxmlformats.org/markup-compatibility/2006" xmlns="" r:id="rId14" roundtripDataSignature="AMtx7mj2vlPlYJyQ+Ye10S9AoINL2ARvTA=="/>
     </p:ext>
   </p:extLst>
 </p:presentation>
@@ -286,7 +286,7 @@
         <p15:threadingInfo xmlns:p15="http://schemas.microsoft.com/office/powerpoint/2012/main" timeZoneBias="0"/>
       </p:ext>
       <p:ext uri="http://customooxmlschemas.google.com/">
-        <go:slidesCustomData xmlns="" xmlns:mc="http://schemas.openxmlformats.org/markup-compatibility/2006" xmlns:mv="urn:schemas-microsoft-com:mac:vml" xmlns:c="http://schemas.openxmlformats.org/drawingml/2006/chart" xmlns:dgm="http://schemas.openxmlformats.org/drawingml/2006/diagram" xmlns:o="urn:schemas-microsoft-com:office:office" xmlns:v="urn:schemas-microsoft-com:vml" xmlns:pvml="urn:schemas-microsoft-com:office:powerpoint" xmlns:com="http://schemas.openxmlformats.org/drawingml/2006/compatibility" xmlns:p14="http://schemas.microsoft.com/office/powerpoint/2010/main" xmlns:p15="http://schemas.microsoft.com/office/powerpoint/2012/main" xmlns:ahyp="http://schemas.microsoft.com/office/drawing/2018/hyperlinkcolor" xmlns:go="http://customooxmlschemas.google.com/" commentPostId="AAABRFpwMvQ"/>
+        <go:slidesCustomData xmlns:go="http://customooxmlschemas.google.com/" xmlns:ahyp="http://schemas.microsoft.com/office/drawing/2018/hyperlinkcolor" xmlns:p15="http://schemas.microsoft.com/office/powerpoint/2012/main" xmlns:p14="http://schemas.microsoft.com/office/powerpoint/2010/main" xmlns:com="http://schemas.openxmlformats.org/drawingml/2006/compatibility" xmlns:pvml="urn:schemas-microsoft-com:office:powerpoint" xmlns:v="urn:schemas-microsoft-com:vml" xmlns:o="urn:schemas-microsoft-com:office:office" xmlns:dgm="http://schemas.openxmlformats.org/drawingml/2006/diagram" xmlns:c="http://schemas.openxmlformats.org/drawingml/2006/chart" xmlns:mv="urn:schemas-microsoft-com:mac:vml" xmlns:mc="http://schemas.openxmlformats.org/markup-compatibility/2006" xmlns="" commentPostId="AAABRFpwMvQ"/>
       </p:ext>
     </p:extLst>
   </p:cm>
@@ -298,7 +298,7 @@
         <p15:threadingInfo xmlns:p15="http://schemas.microsoft.com/office/powerpoint/2012/main" timeZoneBias="0"/>
       </p:ext>
       <p:ext uri="http://customooxmlschemas.google.com/">
-        <go:slidesCustomData xmlns="" xmlns:mc="http://schemas.openxmlformats.org/markup-compatibility/2006" xmlns:mv="urn:schemas-microsoft-com:mac:vml" xmlns:c="http://schemas.openxmlformats.org/drawingml/2006/chart" xmlns:dgm="http://schemas.openxmlformats.org/drawingml/2006/diagram" xmlns:o="urn:schemas-microsoft-com:office:office" xmlns:v="urn:schemas-microsoft-com:vml" xmlns:pvml="urn:schemas-microsoft-com:office:powerpoint" xmlns:com="http://schemas.openxmlformats.org/drawingml/2006/compatibility" xmlns:p14="http://schemas.microsoft.com/office/powerpoint/2010/main" xmlns:p15="http://schemas.microsoft.com/office/powerpoint/2012/main" xmlns:ahyp="http://schemas.microsoft.com/office/drawing/2018/hyperlinkcolor" xmlns:go="http://customooxmlschemas.google.com/" commentPostId="AAABRFpwMvU"/>
+        <go:slidesCustomData xmlns:go="http://customooxmlschemas.google.com/" xmlns:ahyp="http://schemas.microsoft.com/office/drawing/2018/hyperlinkcolor" xmlns:p15="http://schemas.microsoft.com/office/powerpoint/2012/main" xmlns:p14="http://schemas.microsoft.com/office/powerpoint/2010/main" xmlns:com="http://schemas.openxmlformats.org/drawingml/2006/compatibility" xmlns:pvml="urn:schemas-microsoft-com:office:powerpoint" xmlns:v="urn:schemas-microsoft-com:vml" xmlns:o="urn:schemas-microsoft-com:office:office" xmlns:dgm="http://schemas.openxmlformats.org/drawingml/2006/diagram" xmlns:c="http://schemas.openxmlformats.org/drawingml/2006/chart" xmlns:mv="urn:schemas-microsoft-com:mac:vml" xmlns:mc="http://schemas.openxmlformats.org/markup-compatibility/2006" xmlns="" commentPostId="AAABRFpwMvU"/>
       </p:ext>
     </p:extLst>
   </p:cm>
@@ -10045,7 +10045,7 @@
               <a:rPr lang="en" dirty="0">
                 <a:extLst>
                   <a:ext uri="http://customooxmlschemas.google.com/">
-                    <go:slidesCustomData xmlns="" xmlns:mc="http://schemas.openxmlformats.org/markup-compatibility/2006" xmlns:mv="urn:schemas-microsoft-com:mac:vml" xmlns:c="http://schemas.openxmlformats.org/drawingml/2006/chart" xmlns:dgm="http://schemas.openxmlformats.org/drawingml/2006/diagram" xmlns:o="urn:schemas-microsoft-com:office:office" xmlns:v="urn:schemas-microsoft-com:vml" xmlns:pvml="urn:schemas-microsoft-com:office:powerpoint" xmlns:com="http://schemas.openxmlformats.org/drawingml/2006/compatibility" xmlns:p14="http://schemas.microsoft.com/office/powerpoint/2010/main" xmlns:p15="http://schemas.microsoft.com/office/powerpoint/2012/main" xmlns:ahyp="http://schemas.microsoft.com/office/drawing/2018/hyperlinkcolor" xmlns:go="http://customooxmlschemas.google.com/" textRoundtripDataId="0"/>
+                    <go:slidesCustomData xmlns:go="http://customooxmlschemas.google.com/" xmlns:ahyp="http://schemas.microsoft.com/office/drawing/2018/hyperlinkcolor" xmlns:p15="http://schemas.microsoft.com/office/powerpoint/2012/main" xmlns:p14="http://schemas.microsoft.com/office/powerpoint/2010/main" xmlns:com="http://schemas.openxmlformats.org/drawingml/2006/compatibility" xmlns:pvml="urn:schemas-microsoft-com:office:powerpoint" xmlns:v="urn:schemas-microsoft-com:vml" xmlns:o="urn:schemas-microsoft-com:office:office" xmlns:dgm="http://schemas.openxmlformats.org/drawingml/2006/diagram" xmlns:c="http://schemas.openxmlformats.org/drawingml/2006/chart" xmlns:mv="urn:schemas-microsoft-com:mac:vml" xmlns:mc="http://schemas.openxmlformats.org/markup-compatibility/2006" xmlns="" textRoundtripDataId="0"/>
                   </a:ext>
                 </a:extLst>
               </a:rPr>
@@ -10055,7 +10055,7 @@
               <a:rPr lang="en-US" dirty="0">
                 <a:extLst>
                   <a:ext uri="http://customooxmlschemas.google.com/">
-                    <go:slidesCustomData xmlns="" xmlns:mc="http://schemas.openxmlformats.org/markup-compatibility/2006" xmlns:mv="urn:schemas-microsoft-com:mac:vml" xmlns:c="http://schemas.openxmlformats.org/drawingml/2006/chart" xmlns:dgm="http://schemas.openxmlformats.org/drawingml/2006/diagram" xmlns:o="urn:schemas-microsoft-com:office:office" xmlns:v="urn:schemas-microsoft-com:vml" xmlns:pvml="urn:schemas-microsoft-com:office:powerpoint" xmlns:com="http://schemas.openxmlformats.org/drawingml/2006/compatibility" xmlns:p14="http://schemas.microsoft.com/office/powerpoint/2010/main" xmlns:p15="http://schemas.microsoft.com/office/powerpoint/2012/main" xmlns:ahyp="http://schemas.microsoft.com/office/drawing/2018/hyperlinkcolor" xmlns:go="http://customooxmlschemas.google.com/" textRoundtripDataId="0"/>
+                    <go:slidesCustomData xmlns:go="http://customooxmlschemas.google.com/" xmlns:ahyp="http://schemas.microsoft.com/office/drawing/2018/hyperlinkcolor" xmlns:p15="http://schemas.microsoft.com/office/powerpoint/2012/main" xmlns:p14="http://schemas.microsoft.com/office/powerpoint/2010/main" xmlns:com="http://schemas.openxmlformats.org/drawingml/2006/compatibility" xmlns:pvml="urn:schemas-microsoft-com:office:powerpoint" xmlns:v="urn:schemas-microsoft-com:vml" xmlns:o="urn:schemas-microsoft-com:office:office" xmlns:dgm="http://schemas.openxmlformats.org/drawingml/2006/diagram" xmlns:c="http://schemas.openxmlformats.org/drawingml/2006/chart" xmlns:mv="urn:schemas-microsoft-com:mac:vml" xmlns:mc="http://schemas.openxmlformats.org/markup-compatibility/2006" xmlns="" textRoundtripDataId="0"/>
                   </a:ext>
                 </a:extLst>
               </a:rPr>
@@ -10111,7 +10111,7 @@
               <a:rPr lang="en" dirty="0">
                 <a:extLst>
                   <a:ext uri="http://customooxmlschemas.google.com/">
-                    <go:slidesCustomData xmlns="" xmlns:mc="http://schemas.openxmlformats.org/markup-compatibility/2006" xmlns:mv="urn:schemas-microsoft-com:mac:vml" xmlns:c="http://schemas.openxmlformats.org/drawingml/2006/chart" xmlns:dgm="http://schemas.openxmlformats.org/drawingml/2006/diagram" xmlns:o="urn:schemas-microsoft-com:office:office" xmlns:v="urn:schemas-microsoft-com:vml" xmlns:pvml="urn:schemas-microsoft-com:office:powerpoint" xmlns:com="http://schemas.openxmlformats.org/drawingml/2006/compatibility" xmlns:p14="http://schemas.microsoft.com/office/powerpoint/2010/main" xmlns:p15="http://schemas.microsoft.com/office/powerpoint/2012/main" xmlns:ahyp="http://schemas.microsoft.com/office/drawing/2018/hyperlinkcolor" xmlns:go="http://customooxmlschemas.google.com/" textRoundtripDataId="1"/>
+                    <go:slidesCustomData xmlns:go="http://customooxmlschemas.google.com/" xmlns:ahyp="http://schemas.microsoft.com/office/drawing/2018/hyperlinkcolor" xmlns:p15="http://schemas.microsoft.com/office/powerpoint/2012/main" xmlns:p14="http://schemas.microsoft.com/office/powerpoint/2010/main" xmlns:com="http://schemas.openxmlformats.org/drawingml/2006/compatibility" xmlns:pvml="urn:schemas-microsoft-com:office:powerpoint" xmlns:v="urn:schemas-microsoft-com:vml" xmlns:o="urn:schemas-microsoft-com:office:office" xmlns:dgm="http://schemas.openxmlformats.org/drawingml/2006/diagram" xmlns:c="http://schemas.openxmlformats.org/drawingml/2006/chart" xmlns:mv="urn:schemas-microsoft-com:mac:vml" xmlns:mc="http://schemas.openxmlformats.org/markup-compatibility/2006" xmlns="" textRoundtripDataId="1"/>
                   </a:ext>
                 </a:extLst>
               </a:rPr>
@@ -10121,7 +10121,7 @@
               <a:rPr lang="en-US" altLang="zh-CN" dirty="0" err="1">
                 <a:extLst>
                   <a:ext uri="http://customooxmlschemas.google.com/">
-                    <go:slidesCustomData xmlns="" xmlns:mc="http://schemas.openxmlformats.org/markup-compatibility/2006" xmlns:mv="urn:schemas-microsoft-com:mac:vml" xmlns:c="http://schemas.openxmlformats.org/drawingml/2006/chart" xmlns:dgm="http://schemas.openxmlformats.org/drawingml/2006/diagram" xmlns:o="urn:schemas-microsoft-com:office:office" xmlns:v="urn:schemas-microsoft-com:vml" xmlns:pvml="urn:schemas-microsoft-com:office:powerpoint" xmlns:com="http://schemas.openxmlformats.org/drawingml/2006/compatibility" xmlns:p14="http://schemas.microsoft.com/office/powerpoint/2010/main" xmlns:p15="http://schemas.microsoft.com/office/powerpoint/2012/main" xmlns:ahyp="http://schemas.microsoft.com/office/drawing/2018/hyperlinkcolor" xmlns:go="http://customooxmlschemas.google.com/" textRoundtripDataId="1"/>
+                    <go:slidesCustomData xmlns:go="http://customooxmlschemas.google.com/" xmlns:ahyp="http://schemas.microsoft.com/office/drawing/2018/hyperlinkcolor" xmlns:p15="http://schemas.microsoft.com/office/powerpoint/2012/main" xmlns:p14="http://schemas.microsoft.com/office/powerpoint/2010/main" xmlns:com="http://schemas.openxmlformats.org/drawingml/2006/compatibility" xmlns:pvml="urn:schemas-microsoft-com:office:powerpoint" xmlns:v="urn:schemas-microsoft-com:vml" xmlns:o="urn:schemas-microsoft-com:office:office" xmlns:dgm="http://schemas.openxmlformats.org/drawingml/2006/diagram" xmlns:c="http://schemas.openxmlformats.org/drawingml/2006/chart" xmlns:mv="urn:schemas-microsoft-com:mac:vml" xmlns:mc="http://schemas.openxmlformats.org/markup-compatibility/2006" xmlns="" textRoundtripDataId="1"/>
                   </a:ext>
                 </a:extLst>
               </a:rPr>
@@ -10131,7 +10131,7 @@
               <a:rPr lang="en-US" altLang="zh-CN" dirty="0">
                 <a:extLst>
                   <a:ext uri="http://customooxmlschemas.google.com/">
-                    <go:slidesCustomData xmlns="" xmlns:mc="http://schemas.openxmlformats.org/markup-compatibility/2006" xmlns:mv="urn:schemas-microsoft-com:mac:vml" xmlns:c="http://schemas.openxmlformats.org/drawingml/2006/chart" xmlns:dgm="http://schemas.openxmlformats.org/drawingml/2006/diagram" xmlns:o="urn:schemas-microsoft-com:office:office" xmlns:v="urn:schemas-microsoft-com:vml" xmlns:pvml="urn:schemas-microsoft-com:office:powerpoint" xmlns:com="http://schemas.openxmlformats.org/drawingml/2006/compatibility" xmlns:p14="http://schemas.microsoft.com/office/powerpoint/2010/main" xmlns:p15="http://schemas.microsoft.com/office/powerpoint/2012/main" xmlns:ahyp="http://schemas.microsoft.com/office/drawing/2018/hyperlinkcolor" xmlns:go="http://customooxmlschemas.google.com/" textRoundtripDataId="1"/>
+                    <go:slidesCustomData xmlns:go="http://customooxmlschemas.google.com/" xmlns:ahyp="http://schemas.microsoft.com/office/drawing/2018/hyperlinkcolor" xmlns:p15="http://schemas.microsoft.com/office/powerpoint/2012/main" xmlns:p14="http://schemas.microsoft.com/office/powerpoint/2010/main" xmlns:com="http://schemas.openxmlformats.org/drawingml/2006/compatibility" xmlns:pvml="urn:schemas-microsoft-com:office:powerpoint" xmlns:v="urn:schemas-microsoft-com:vml" xmlns:o="urn:schemas-microsoft-com:office:office" xmlns:dgm="http://schemas.openxmlformats.org/drawingml/2006/diagram" xmlns:c="http://schemas.openxmlformats.org/drawingml/2006/chart" xmlns:mv="urn:schemas-microsoft-com:mac:vml" xmlns:mc="http://schemas.openxmlformats.org/markup-compatibility/2006" xmlns="" textRoundtripDataId="1"/>
                   </a:ext>
                 </a:extLst>
               </a:rPr>
@@ -10140,7 +10140,7 @@
             <a:endParaRPr dirty="0">
               <a:extLst>
                 <a:ext uri="http://customooxmlschemas.google.com/">
-                  <go:slidesCustomData xmlns="" xmlns:mc="http://schemas.openxmlformats.org/markup-compatibility/2006" xmlns:mv="urn:schemas-microsoft-com:mac:vml" xmlns:c="http://schemas.openxmlformats.org/drawingml/2006/chart" xmlns:dgm="http://schemas.openxmlformats.org/drawingml/2006/diagram" xmlns:o="urn:schemas-microsoft-com:office:office" xmlns:v="urn:schemas-microsoft-com:vml" xmlns:pvml="urn:schemas-microsoft-com:office:powerpoint" xmlns:com="http://schemas.openxmlformats.org/drawingml/2006/compatibility" xmlns:p14="http://schemas.microsoft.com/office/powerpoint/2010/main" xmlns:p15="http://schemas.microsoft.com/office/powerpoint/2012/main" xmlns:ahyp="http://schemas.microsoft.com/office/drawing/2018/hyperlinkcolor" xmlns:go="http://customooxmlschemas.google.com/" textRoundtripDataId="2"/>
+                  <go:slidesCustomData xmlns:go="http://customooxmlschemas.google.com/" xmlns:ahyp="http://schemas.microsoft.com/office/drawing/2018/hyperlinkcolor" xmlns:p15="http://schemas.microsoft.com/office/powerpoint/2012/main" xmlns:p14="http://schemas.microsoft.com/office/powerpoint/2010/main" xmlns:com="http://schemas.openxmlformats.org/drawingml/2006/compatibility" xmlns:pvml="urn:schemas-microsoft-com:office:powerpoint" xmlns:v="urn:schemas-microsoft-com:vml" xmlns:o="urn:schemas-microsoft-com:office:office" xmlns:dgm="http://schemas.openxmlformats.org/drawingml/2006/diagram" xmlns:c="http://schemas.openxmlformats.org/drawingml/2006/chart" xmlns:mv="urn:schemas-microsoft-com:mac:vml" xmlns:mc="http://schemas.openxmlformats.org/markup-compatibility/2006" xmlns="" textRoundtripDataId="2"/>
                 </a:ext>
               </a:extLst>
             </a:endParaRPr>
@@ -10163,7 +10163,7 @@
               <a:rPr lang="en" dirty="0">
                 <a:extLst>
                   <a:ext uri="http://customooxmlschemas.google.com/">
-                    <go:slidesCustomData xmlns="" xmlns:mc="http://schemas.openxmlformats.org/markup-compatibility/2006" xmlns:mv="urn:schemas-microsoft-com:mac:vml" xmlns:c="http://schemas.openxmlformats.org/drawingml/2006/chart" xmlns:dgm="http://schemas.openxmlformats.org/drawingml/2006/diagram" xmlns:o="urn:schemas-microsoft-com:office:office" xmlns:v="urn:schemas-microsoft-com:vml" xmlns:pvml="urn:schemas-microsoft-com:office:powerpoint" xmlns:com="http://schemas.openxmlformats.org/drawingml/2006/compatibility" xmlns:p14="http://schemas.microsoft.com/office/powerpoint/2010/main" xmlns:p15="http://schemas.microsoft.com/office/powerpoint/2012/main" xmlns:ahyp="http://schemas.microsoft.com/office/drawing/2018/hyperlinkcolor" xmlns:go="http://customooxmlschemas.google.com/" textRoundtripDataId="3"/>
+                    <go:slidesCustomData xmlns:go="http://customooxmlschemas.google.com/" xmlns:ahyp="http://schemas.microsoft.com/office/drawing/2018/hyperlinkcolor" xmlns:p15="http://schemas.microsoft.com/office/powerpoint/2012/main" xmlns:p14="http://schemas.microsoft.com/office/powerpoint/2010/main" xmlns:com="http://schemas.openxmlformats.org/drawingml/2006/compatibility" xmlns:pvml="urn:schemas-microsoft-com:office:powerpoint" xmlns:v="urn:schemas-microsoft-com:vml" xmlns:o="urn:schemas-microsoft-com:office:office" xmlns:dgm="http://schemas.openxmlformats.org/drawingml/2006/diagram" xmlns:c="http://schemas.openxmlformats.org/drawingml/2006/chart" xmlns:mv="urn:schemas-microsoft-com:mac:vml" xmlns:mc="http://schemas.openxmlformats.org/markup-compatibility/2006" xmlns="" textRoundtripDataId="3"/>
                   </a:ext>
                 </a:extLst>
               </a:rPr>
@@ -10188,7 +10188,7 @@
               <a:rPr lang="en" dirty="0">
                 <a:extLst>
                   <a:ext uri="http://customooxmlschemas.google.com/">
-                    <go:slidesCustomData xmlns="" xmlns:mc="http://schemas.openxmlformats.org/markup-compatibility/2006" xmlns:mv="urn:schemas-microsoft-com:mac:vml" xmlns:c="http://schemas.openxmlformats.org/drawingml/2006/chart" xmlns:dgm="http://schemas.openxmlformats.org/drawingml/2006/diagram" xmlns:o="urn:schemas-microsoft-com:office:office" xmlns:v="urn:schemas-microsoft-com:vml" xmlns:pvml="urn:schemas-microsoft-com:office:powerpoint" xmlns:com="http://schemas.openxmlformats.org/drawingml/2006/compatibility" xmlns:p14="http://schemas.microsoft.com/office/powerpoint/2010/main" xmlns:p15="http://schemas.microsoft.com/office/powerpoint/2012/main" xmlns:ahyp="http://schemas.microsoft.com/office/drawing/2018/hyperlinkcolor" xmlns:go="http://customooxmlschemas.google.com/" textRoundtripDataId="4"/>
+                    <go:slidesCustomData xmlns:go="http://customooxmlschemas.google.com/" xmlns:ahyp="http://schemas.microsoft.com/office/drawing/2018/hyperlinkcolor" xmlns:p15="http://schemas.microsoft.com/office/powerpoint/2012/main" xmlns:p14="http://schemas.microsoft.com/office/powerpoint/2010/main" xmlns:com="http://schemas.openxmlformats.org/drawingml/2006/compatibility" xmlns:pvml="urn:schemas-microsoft-com:office:powerpoint" xmlns:v="urn:schemas-microsoft-com:vml" xmlns:o="urn:schemas-microsoft-com:office:office" xmlns:dgm="http://schemas.openxmlformats.org/drawingml/2006/diagram" xmlns:c="http://schemas.openxmlformats.org/drawingml/2006/chart" xmlns:mv="urn:schemas-microsoft-com:mac:vml" xmlns:mc="http://schemas.openxmlformats.org/markup-compatibility/2006" xmlns="" textRoundtripDataId="4"/>
                   </a:ext>
                 </a:extLst>
               </a:rPr>
@@ -10198,7 +10198,7 @@
               <a:rPr lang="en" dirty="0">
                 <a:extLst>
                   <a:ext uri="http://customooxmlschemas.google.com/">
-                    <go:slidesCustomData xmlns="" xmlns:mc="http://schemas.openxmlformats.org/markup-compatibility/2006" xmlns:mv="urn:schemas-microsoft-com:mac:vml" xmlns:c="http://schemas.openxmlformats.org/drawingml/2006/chart" xmlns:dgm="http://schemas.openxmlformats.org/drawingml/2006/diagram" xmlns:o="urn:schemas-microsoft-com:office:office" xmlns:v="urn:schemas-microsoft-com:vml" xmlns:pvml="urn:schemas-microsoft-com:office:powerpoint" xmlns:com="http://schemas.openxmlformats.org/drawingml/2006/compatibility" xmlns:p14="http://schemas.microsoft.com/office/powerpoint/2010/main" xmlns:p15="http://schemas.microsoft.com/office/powerpoint/2012/main" xmlns:ahyp="http://schemas.microsoft.com/office/drawing/2018/hyperlinkcolor" xmlns:go="http://customooxmlschemas.google.com/" textRoundtripDataId="5"/>
+                    <go:slidesCustomData xmlns:go="http://customooxmlschemas.google.com/" xmlns:ahyp="http://schemas.microsoft.com/office/drawing/2018/hyperlinkcolor" xmlns:p15="http://schemas.microsoft.com/office/powerpoint/2012/main" xmlns:p14="http://schemas.microsoft.com/office/powerpoint/2010/main" xmlns:com="http://schemas.openxmlformats.org/drawingml/2006/compatibility" xmlns:pvml="urn:schemas-microsoft-com:office:powerpoint" xmlns:v="urn:schemas-microsoft-com:vml" xmlns:o="urn:schemas-microsoft-com:office:office" xmlns:dgm="http://schemas.openxmlformats.org/drawingml/2006/diagram" xmlns:c="http://schemas.openxmlformats.org/drawingml/2006/chart" xmlns:mv="urn:schemas-microsoft-com:mac:vml" xmlns:mc="http://schemas.openxmlformats.org/markup-compatibility/2006" xmlns="" textRoundtripDataId="5"/>
                   </a:ext>
                 </a:extLst>
               </a:rPr>
@@ -10207,7 +10207,7 @@
             <a:endParaRPr dirty="0">
               <a:extLst>
                 <a:ext uri="http://customooxmlschemas.google.com/">
-                  <go:slidesCustomData xmlns="" xmlns:mc="http://schemas.openxmlformats.org/markup-compatibility/2006" xmlns:mv="urn:schemas-microsoft-com:mac:vml" xmlns:c="http://schemas.openxmlformats.org/drawingml/2006/chart" xmlns:dgm="http://schemas.openxmlformats.org/drawingml/2006/diagram" xmlns:o="urn:schemas-microsoft-com:office:office" xmlns:v="urn:schemas-microsoft-com:vml" xmlns:pvml="urn:schemas-microsoft-com:office:powerpoint" xmlns:com="http://schemas.openxmlformats.org/drawingml/2006/compatibility" xmlns:p14="http://schemas.microsoft.com/office/powerpoint/2010/main" xmlns:p15="http://schemas.microsoft.com/office/powerpoint/2012/main" xmlns:ahyp="http://schemas.microsoft.com/office/drawing/2018/hyperlinkcolor" xmlns:go="http://customooxmlschemas.google.com/" textRoundtripDataId="6"/>
+                  <go:slidesCustomData xmlns:go="http://customooxmlschemas.google.com/" xmlns:ahyp="http://schemas.microsoft.com/office/drawing/2018/hyperlinkcolor" xmlns:p15="http://schemas.microsoft.com/office/powerpoint/2012/main" xmlns:p14="http://schemas.microsoft.com/office/powerpoint/2010/main" xmlns:com="http://schemas.openxmlformats.org/drawingml/2006/compatibility" xmlns:pvml="urn:schemas-microsoft-com:office:powerpoint" xmlns:v="urn:schemas-microsoft-com:vml" xmlns:o="urn:schemas-microsoft-com:office:office" xmlns:dgm="http://schemas.openxmlformats.org/drawingml/2006/diagram" xmlns:c="http://schemas.openxmlformats.org/drawingml/2006/chart" xmlns:mv="urn:schemas-microsoft-com:mac:vml" xmlns:mc="http://schemas.openxmlformats.org/markup-compatibility/2006" xmlns="" textRoundtripDataId="6"/>
                 </a:ext>
               </a:extLst>
             </a:endParaRPr>
@@ -10230,7 +10230,7 @@
               <a:rPr lang="en-US" dirty="0">
                 <a:extLst>
                   <a:ext uri="http://customooxmlschemas.google.com/">
-                    <go:slidesCustomData xmlns="" xmlns:mc="http://schemas.openxmlformats.org/markup-compatibility/2006" xmlns:mv="urn:schemas-microsoft-com:mac:vml" xmlns:c="http://schemas.openxmlformats.org/drawingml/2006/chart" xmlns:dgm="http://schemas.openxmlformats.org/drawingml/2006/diagram" xmlns:o="urn:schemas-microsoft-com:office:office" xmlns:v="urn:schemas-microsoft-com:vml" xmlns:pvml="urn:schemas-microsoft-com:office:powerpoint" xmlns:com="http://schemas.openxmlformats.org/drawingml/2006/compatibility" xmlns:p14="http://schemas.microsoft.com/office/powerpoint/2010/main" xmlns:p15="http://schemas.microsoft.com/office/powerpoint/2012/main" xmlns:ahyp="http://schemas.microsoft.com/office/drawing/2018/hyperlinkcolor" xmlns:go="http://customooxmlschemas.google.com/" textRoundtripDataId="7"/>
+                    <go:slidesCustomData xmlns:go="http://customooxmlschemas.google.com/" xmlns:ahyp="http://schemas.microsoft.com/office/drawing/2018/hyperlinkcolor" xmlns:p15="http://schemas.microsoft.com/office/powerpoint/2012/main" xmlns:p14="http://schemas.microsoft.com/office/powerpoint/2010/main" xmlns:com="http://schemas.openxmlformats.org/drawingml/2006/compatibility" xmlns:pvml="urn:schemas-microsoft-com:office:powerpoint" xmlns:v="urn:schemas-microsoft-com:vml" xmlns:o="urn:schemas-microsoft-com:office:office" xmlns:dgm="http://schemas.openxmlformats.org/drawingml/2006/diagram" xmlns:c="http://schemas.openxmlformats.org/drawingml/2006/chart" xmlns:mv="urn:schemas-microsoft-com:mac:vml" xmlns:mc="http://schemas.openxmlformats.org/markup-compatibility/2006" xmlns="" textRoundtripDataId="7"/>
                   </a:ext>
                 </a:extLst>
               </a:rPr>
@@ -10443,6 +10443,55 @@
           </a:prstGeom>
         </p:spPr>
       </p:pic>
+      <p:sp>
+        <p:nvSpPr>
+          <p:cNvPr id="2" name="文本框 1">
+            <a:extLst>
+              <a:ext uri="{FF2B5EF4-FFF2-40B4-BE49-F238E27FC236}">
+                <a16:creationId xmlns:a16="http://schemas.microsoft.com/office/drawing/2014/main" id="{B4938E97-B03F-3BFB-E305-F4EDC20C9872}"/>
+              </a:ext>
+            </a:extLst>
+          </p:cNvPr>
+          <p:cNvSpPr txBox="1"/>
+          <p:nvPr/>
+        </p:nvSpPr>
+        <p:spPr>
+          <a:xfrm>
+            <a:off x="4798958" y="4033644"/>
+            <a:ext cx="3947850" cy="830997"/>
+          </a:xfrm>
+          <a:prstGeom prst="rect">
+            <a:avLst/>
+          </a:prstGeom>
+          <a:noFill/>
+        </p:spPr>
+        <p:txBody>
+          <a:bodyPr wrap="square" rtlCol="0">
+            <a:spAutoFit/>
+          </a:bodyPr>
+          <a:lstStyle/>
+          <a:p>
+            <a:pPr algn="just"/>
+            <a:r>
+              <a:rPr lang="en-US" altLang="zh-CN" sz="1200" b="1" dirty="0"/>
+              <a:t>Training Data Parity Plot: </a:t>
+            </a:r>
+            <a:r>
+              <a:rPr lang="en-US" altLang="zh-CN" sz="1200" dirty="0"/>
+              <a:t>Data points align closely with the ideal dashed line. </a:t>
+            </a:r>
+            <a:r>
+              <a:rPr lang="en-US" altLang="zh-CN" sz="1200" b="1" dirty="0"/>
+              <a:t>Test Data Parity Plot:</a:t>
+            </a:r>
+            <a:r>
+              <a:rPr lang="en-US" altLang="zh-CN" sz="1200" dirty="0"/>
+              <a:t> Data points are more scattered compared to the training plot, indicating prediction errors.</a:t>
+            </a:r>
+            <a:endParaRPr lang="zh-CN" altLang="en-US" sz="1200" dirty="0"/>
+          </a:p>
+        </p:txBody>
+      </p:sp>
     </p:spTree>
   </p:cSld>
   <p:clrMapOvr>
@@ -10646,6 +10695,43 @@
           </a:prstGeom>
         </p:spPr>
       </p:pic>
+      <p:sp>
+        <p:nvSpPr>
+          <p:cNvPr id="2" name="文本框 1">
+            <a:extLst>
+              <a:ext uri="{FF2B5EF4-FFF2-40B4-BE49-F238E27FC236}">
+                <a16:creationId xmlns:a16="http://schemas.microsoft.com/office/drawing/2014/main" id="{7B191ECD-DDA9-786F-2596-B68F047EFD5F}"/>
+              </a:ext>
+            </a:extLst>
+          </p:cNvPr>
+          <p:cNvSpPr txBox="1"/>
+          <p:nvPr/>
+        </p:nvSpPr>
+        <p:spPr>
+          <a:xfrm>
+            <a:off x="5366629" y="4340051"/>
+            <a:ext cx="3069142" cy="646331"/>
+          </a:xfrm>
+          <a:prstGeom prst="rect">
+            <a:avLst/>
+          </a:prstGeom>
+          <a:noFill/>
+        </p:spPr>
+        <p:txBody>
+          <a:bodyPr wrap="square" rtlCol="0">
+            <a:spAutoFit/>
+          </a:bodyPr>
+          <a:lstStyle/>
+          <a:p>
+            <a:pPr algn="just"/>
+            <a:r>
+              <a:rPr lang="en-US" altLang="zh-CN" sz="1200" dirty="0"/>
+              <a:t>MSE decreases as the number of trees increases, with training error consistently lower than validation error.</a:t>
+            </a:r>
+            <a:endParaRPr lang="zh-CN" altLang="en-US" sz="1200" dirty="0"/>
+          </a:p>
+        </p:txBody>
+      </p:sp>
     </p:spTree>
     <p:extLst>
       <p:ext uri="{BB962C8B-B14F-4D97-AF65-F5344CB8AC3E}">
@@ -10854,6 +10940,55 @@
           </a:prstGeom>
         </p:spPr>
       </p:pic>
+      <p:sp>
+        <p:nvSpPr>
+          <p:cNvPr id="2" name="文本框 1">
+            <a:extLst>
+              <a:ext uri="{FF2B5EF4-FFF2-40B4-BE49-F238E27FC236}">
+                <a16:creationId xmlns:a16="http://schemas.microsoft.com/office/drawing/2014/main" id="{FADCD5F4-5C9A-4F01-92A2-005E561A1661}"/>
+              </a:ext>
+            </a:extLst>
+          </p:cNvPr>
+          <p:cNvSpPr txBox="1"/>
+          <p:nvPr/>
+        </p:nvSpPr>
+        <p:spPr>
+          <a:xfrm>
+            <a:off x="4147358" y="315876"/>
+            <a:ext cx="4325100" cy="830997"/>
+          </a:xfrm>
+          <a:prstGeom prst="rect">
+            <a:avLst/>
+          </a:prstGeom>
+          <a:noFill/>
+        </p:spPr>
+        <p:txBody>
+          <a:bodyPr wrap="square" rtlCol="0">
+            <a:spAutoFit/>
+          </a:bodyPr>
+          <a:lstStyle/>
+          <a:p>
+            <a:pPr algn="just"/>
+            <a:r>
+              <a:rPr lang="en-US" altLang="zh-CN" sz="1200" b="1" dirty="0"/>
+              <a:t>Test Parity Plot (Default Model): </a:t>
+            </a:r>
+            <a:r>
+              <a:rPr lang="en-US" altLang="zh-CN" sz="1200" dirty="0"/>
+              <a:t>Data points scatter around the ideal dashed line, with noticeable deviations. </a:t>
+            </a:r>
+            <a:r>
+              <a:rPr lang="en-US" altLang="zh-CN" sz="1200" b="1" dirty="0"/>
+              <a:t>Test Parity Plot (Optimized Model): </a:t>
+            </a:r>
+            <a:r>
+              <a:rPr lang="en-US" altLang="zh-CN" sz="1200" dirty="0"/>
+              <a:t>Data points align more closely to the ideal dashed line, indicating improved predictions.</a:t>
+            </a:r>
+            <a:endParaRPr lang="zh-CN" altLang="en-US" sz="1200" dirty="0"/>
+          </a:p>
+        </p:txBody>
+      </p:sp>
     </p:spTree>
     <p:extLst>
       <p:ext uri="{BB962C8B-B14F-4D97-AF65-F5344CB8AC3E}">

--- a/Assignment/Assignment 3-Jiahui_Yang.pptx
+++ b/Assignment/Assignment 3-Jiahui_Yang.pptx
@@ -264,7 +264,7 @@
       </p15:sldGuideLst>
     </p:ext>
     <p:ext uri="GoogleSlidesCustomDataVersion2">
-      <go:slidesCustomData xmlns:go="http://customooxmlschemas.google.com/" xmlns:ahyp="http://schemas.microsoft.com/office/drawing/2018/hyperlinkcolor" xmlns:p15="http://schemas.microsoft.com/office/powerpoint/2012/main" xmlns:p14="http://schemas.microsoft.com/office/powerpoint/2010/main" xmlns:com="http://schemas.openxmlformats.org/drawingml/2006/compatibility" xmlns:pvml="urn:schemas-microsoft-com:office:powerpoint" xmlns:v="urn:schemas-microsoft-com:vml" xmlns:o="urn:schemas-microsoft-com:office:office" xmlns:dgm="http://schemas.openxmlformats.org/drawingml/2006/diagram" xmlns:c="http://schemas.openxmlformats.org/drawingml/2006/chart" xmlns:mv="urn:schemas-microsoft-com:mac:vml" xmlns:mc="http://schemas.openxmlformats.org/markup-compatibility/2006" xmlns="" r:id="rId14" roundtripDataSignature="AMtx7mj2vlPlYJyQ+Ye10S9AoINL2ARvTA=="/>
+      <go:slidesCustomData xmlns="" xmlns:mc="http://schemas.openxmlformats.org/markup-compatibility/2006" xmlns:mv="urn:schemas-microsoft-com:mac:vml" xmlns:c="http://schemas.openxmlformats.org/drawingml/2006/chart" xmlns:dgm="http://schemas.openxmlformats.org/drawingml/2006/diagram" xmlns:o="urn:schemas-microsoft-com:office:office" xmlns:v="urn:schemas-microsoft-com:vml" xmlns:pvml="urn:schemas-microsoft-com:office:powerpoint" xmlns:com="http://schemas.openxmlformats.org/drawingml/2006/compatibility" xmlns:p14="http://schemas.microsoft.com/office/powerpoint/2010/main" xmlns:p15="http://schemas.microsoft.com/office/powerpoint/2012/main" xmlns:ahyp="http://schemas.microsoft.com/office/drawing/2018/hyperlinkcolor" xmlns:go="http://customooxmlschemas.google.com/" r:id="rId14" roundtripDataSignature="AMtx7mj2vlPlYJyQ+Ye10S9AoINL2ARvTA=="/>
     </p:ext>
   </p:extLst>
 </p:presentation>
@@ -286,7 +286,7 @@
         <p15:threadingInfo xmlns:p15="http://schemas.microsoft.com/office/powerpoint/2012/main" timeZoneBias="0"/>
       </p:ext>
       <p:ext uri="http://customooxmlschemas.google.com/">
-        <go:slidesCustomData xmlns:go="http://customooxmlschemas.google.com/" xmlns:ahyp="http://schemas.microsoft.com/office/drawing/2018/hyperlinkcolor" xmlns:p15="http://schemas.microsoft.com/office/powerpoint/2012/main" xmlns:p14="http://schemas.microsoft.com/office/powerpoint/2010/main" xmlns:com="http://schemas.openxmlformats.org/drawingml/2006/compatibility" xmlns:pvml="urn:schemas-microsoft-com:office:powerpoint" xmlns:v="urn:schemas-microsoft-com:vml" xmlns:o="urn:schemas-microsoft-com:office:office" xmlns:dgm="http://schemas.openxmlformats.org/drawingml/2006/diagram" xmlns:c="http://schemas.openxmlformats.org/drawingml/2006/chart" xmlns:mv="urn:schemas-microsoft-com:mac:vml" xmlns:mc="http://schemas.openxmlformats.org/markup-compatibility/2006" xmlns="" commentPostId="AAABRFpwMvQ"/>
+        <go:slidesCustomData xmlns="" xmlns:mc="http://schemas.openxmlformats.org/markup-compatibility/2006" xmlns:mv="urn:schemas-microsoft-com:mac:vml" xmlns:c="http://schemas.openxmlformats.org/drawingml/2006/chart" xmlns:dgm="http://schemas.openxmlformats.org/drawingml/2006/diagram" xmlns:o="urn:schemas-microsoft-com:office:office" xmlns:v="urn:schemas-microsoft-com:vml" xmlns:pvml="urn:schemas-microsoft-com:office:powerpoint" xmlns:com="http://schemas.openxmlformats.org/drawingml/2006/compatibility" xmlns:p14="http://schemas.microsoft.com/office/powerpoint/2010/main" xmlns:p15="http://schemas.microsoft.com/office/powerpoint/2012/main" xmlns:ahyp="http://schemas.microsoft.com/office/drawing/2018/hyperlinkcolor" xmlns:go="http://customooxmlschemas.google.com/" commentPostId="AAABRFpwMvQ"/>
       </p:ext>
     </p:extLst>
   </p:cm>
@@ -298,7 +298,7 @@
         <p15:threadingInfo xmlns:p15="http://schemas.microsoft.com/office/powerpoint/2012/main" timeZoneBias="0"/>
       </p:ext>
       <p:ext uri="http://customooxmlschemas.google.com/">
-        <go:slidesCustomData xmlns:go="http://customooxmlschemas.google.com/" xmlns:ahyp="http://schemas.microsoft.com/office/drawing/2018/hyperlinkcolor" xmlns:p15="http://schemas.microsoft.com/office/powerpoint/2012/main" xmlns:p14="http://schemas.microsoft.com/office/powerpoint/2010/main" xmlns:com="http://schemas.openxmlformats.org/drawingml/2006/compatibility" xmlns:pvml="urn:schemas-microsoft-com:office:powerpoint" xmlns:v="urn:schemas-microsoft-com:vml" xmlns:o="urn:schemas-microsoft-com:office:office" xmlns:dgm="http://schemas.openxmlformats.org/drawingml/2006/diagram" xmlns:c="http://schemas.openxmlformats.org/drawingml/2006/chart" xmlns:mv="urn:schemas-microsoft-com:mac:vml" xmlns:mc="http://schemas.openxmlformats.org/markup-compatibility/2006" xmlns="" commentPostId="AAABRFpwMvU"/>
+        <go:slidesCustomData xmlns="" xmlns:mc="http://schemas.openxmlformats.org/markup-compatibility/2006" xmlns:mv="urn:schemas-microsoft-com:mac:vml" xmlns:c="http://schemas.openxmlformats.org/drawingml/2006/chart" xmlns:dgm="http://schemas.openxmlformats.org/drawingml/2006/diagram" xmlns:o="urn:schemas-microsoft-com:office:office" xmlns:v="urn:schemas-microsoft-com:vml" xmlns:pvml="urn:schemas-microsoft-com:office:powerpoint" xmlns:com="http://schemas.openxmlformats.org/drawingml/2006/compatibility" xmlns:p14="http://schemas.microsoft.com/office/powerpoint/2010/main" xmlns:p15="http://schemas.microsoft.com/office/powerpoint/2012/main" xmlns:ahyp="http://schemas.microsoft.com/office/drawing/2018/hyperlinkcolor" xmlns:go="http://customooxmlschemas.google.com/" commentPostId="AAABRFpwMvU"/>
       </p:ext>
     </p:extLst>
   </p:cm>
@@ -10045,7 +10045,7 @@
               <a:rPr lang="en" dirty="0">
                 <a:extLst>
                   <a:ext uri="http://customooxmlschemas.google.com/">
-                    <go:slidesCustomData xmlns:go="http://customooxmlschemas.google.com/" xmlns:ahyp="http://schemas.microsoft.com/office/drawing/2018/hyperlinkcolor" xmlns:p15="http://schemas.microsoft.com/office/powerpoint/2012/main" xmlns:p14="http://schemas.microsoft.com/office/powerpoint/2010/main" xmlns:com="http://schemas.openxmlformats.org/drawingml/2006/compatibility" xmlns:pvml="urn:schemas-microsoft-com:office:powerpoint" xmlns:v="urn:schemas-microsoft-com:vml" xmlns:o="urn:schemas-microsoft-com:office:office" xmlns:dgm="http://schemas.openxmlformats.org/drawingml/2006/diagram" xmlns:c="http://schemas.openxmlformats.org/drawingml/2006/chart" xmlns:mv="urn:schemas-microsoft-com:mac:vml" xmlns:mc="http://schemas.openxmlformats.org/markup-compatibility/2006" xmlns="" textRoundtripDataId="0"/>
+                    <go:slidesCustomData xmlns="" xmlns:mc="http://schemas.openxmlformats.org/markup-compatibility/2006" xmlns:mv="urn:schemas-microsoft-com:mac:vml" xmlns:c="http://schemas.openxmlformats.org/drawingml/2006/chart" xmlns:dgm="http://schemas.openxmlformats.org/drawingml/2006/diagram" xmlns:o="urn:schemas-microsoft-com:office:office" xmlns:v="urn:schemas-microsoft-com:vml" xmlns:pvml="urn:schemas-microsoft-com:office:powerpoint" xmlns:com="http://schemas.openxmlformats.org/drawingml/2006/compatibility" xmlns:p14="http://schemas.microsoft.com/office/powerpoint/2010/main" xmlns:p15="http://schemas.microsoft.com/office/powerpoint/2012/main" xmlns:ahyp="http://schemas.microsoft.com/office/drawing/2018/hyperlinkcolor" xmlns:go="http://customooxmlschemas.google.com/" textRoundtripDataId="0"/>
                   </a:ext>
                 </a:extLst>
               </a:rPr>
@@ -10055,7 +10055,7 @@
               <a:rPr lang="en-US" dirty="0">
                 <a:extLst>
                   <a:ext uri="http://customooxmlschemas.google.com/">
-                    <go:slidesCustomData xmlns:go="http://customooxmlschemas.google.com/" xmlns:ahyp="http://schemas.microsoft.com/office/drawing/2018/hyperlinkcolor" xmlns:p15="http://schemas.microsoft.com/office/powerpoint/2012/main" xmlns:p14="http://schemas.microsoft.com/office/powerpoint/2010/main" xmlns:com="http://schemas.openxmlformats.org/drawingml/2006/compatibility" xmlns:pvml="urn:schemas-microsoft-com:office:powerpoint" xmlns:v="urn:schemas-microsoft-com:vml" xmlns:o="urn:schemas-microsoft-com:office:office" xmlns:dgm="http://schemas.openxmlformats.org/drawingml/2006/diagram" xmlns:c="http://schemas.openxmlformats.org/drawingml/2006/chart" xmlns:mv="urn:schemas-microsoft-com:mac:vml" xmlns:mc="http://schemas.openxmlformats.org/markup-compatibility/2006" xmlns="" textRoundtripDataId="0"/>
+                    <go:slidesCustomData xmlns="" xmlns:mc="http://schemas.openxmlformats.org/markup-compatibility/2006" xmlns:mv="urn:schemas-microsoft-com:mac:vml" xmlns:c="http://schemas.openxmlformats.org/drawingml/2006/chart" xmlns:dgm="http://schemas.openxmlformats.org/drawingml/2006/diagram" xmlns:o="urn:schemas-microsoft-com:office:office" xmlns:v="urn:schemas-microsoft-com:vml" xmlns:pvml="urn:schemas-microsoft-com:office:powerpoint" xmlns:com="http://schemas.openxmlformats.org/drawingml/2006/compatibility" xmlns:p14="http://schemas.microsoft.com/office/powerpoint/2010/main" xmlns:p15="http://schemas.microsoft.com/office/powerpoint/2012/main" xmlns:ahyp="http://schemas.microsoft.com/office/drawing/2018/hyperlinkcolor" xmlns:go="http://customooxmlschemas.google.com/" textRoundtripDataId="0"/>
                   </a:ext>
                 </a:extLst>
               </a:rPr>
@@ -10111,7 +10111,7 @@
               <a:rPr lang="en" dirty="0">
                 <a:extLst>
                   <a:ext uri="http://customooxmlschemas.google.com/">
-                    <go:slidesCustomData xmlns:go="http://customooxmlschemas.google.com/" xmlns:ahyp="http://schemas.microsoft.com/office/drawing/2018/hyperlinkcolor" xmlns:p15="http://schemas.microsoft.com/office/powerpoint/2012/main" xmlns:p14="http://schemas.microsoft.com/office/powerpoint/2010/main" xmlns:com="http://schemas.openxmlformats.org/drawingml/2006/compatibility" xmlns:pvml="urn:schemas-microsoft-com:office:powerpoint" xmlns:v="urn:schemas-microsoft-com:vml" xmlns:o="urn:schemas-microsoft-com:office:office" xmlns:dgm="http://schemas.openxmlformats.org/drawingml/2006/diagram" xmlns:c="http://schemas.openxmlformats.org/drawingml/2006/chart" xmlns:mv="urn:schemas-microsoft-com:mac:vml" xmlns:mc="http://schemas.openxmlformats.org/markup-compatibility/2006" xmlns="" textRoundtripDataId="1"/>
+                    <go:slidesCustomData xmlns="" xmlns:mc="http://schemas.openxmlformats.org/markup-compatibility/2006" xmlns:mv="urn:schemas-microsoft-com:mac:vml" xmlns:c="http://schemas.openxmlformats.org/drawingml/2006/chart" xmlns:dgm="http://schemas.openxmlformats.org/drawingml/2006/diagram" xmlns:o="urn:schemas-microsoft-com:office:office" xmlns:v="urn:schemas-microsoft-com:vml" xmlns:pvml="urn:schemas-microsoft-com:office:powerpoint" xmlns:com="http://schemas.openxmlformats.org/drawingml/2006/compatibility" xmlns:p14="http://schemas.microsoft.com/office/powerpoint/2010/main" xmlns:p15="http://schemas.microsoft.com/office/powerpoint/2012/main" xmlns:ahyp="http://schemas.microsoft.com/office/drawing/2018/hyperlinkcolor" xmlns:go="http://customooxmlschemas.google.com/" textRoundtripDataId="1"/>
                   </a:ext>
                 </a:extLst>
               </a:rPr>
@@ -10121,7 +10121,7 @@
               <a:rPr lang="en-US" altLang="zh-CN" dirty="0" err="1">
                 <a:extLst>
                   <a:ext uri="http://customooxmlschemas.google.com/">
-                    <go:slidesCustomData xmlns:go="http://customooxmlschemas.google.com/" xmlns:ahyp="http://schemas.microsoft.com/office/drawing/2018/hyperlinkcolor" xmlns:p15="http://schemas.microsoft.com/office/powerpoint/2012/main" xmlns:p14="http://schemas.microsoft.com/office/powerpoint/2010/main" xmlns:com="http://schemas.openxmlformats.org/drawingml/2006/compatibility" xmlns:pvml="urn:schemas-microsoft-com:office:powerpoint" xmlns:v="urn:schemas-microsoft-com:vml" xmlns:o="urn:schemas-microsoft-com:office:office" xmlns:dgm="http://schemas.openxmlformats.org/drawingml/2006/diagram" xmlns:c="http://schemas.openxmlformats.org/drawingml/2006/chart" xmlns:mv="urn:schemas-microsoft-com:mac:vml" xmlns:mc="http://schemas.openxmlformats.org/markup-compatibility/2006" xmlns="" textRoundtripDataId="1"/>
+                    <go:slidesCustomData xmlns="" xmlns:mc="http://schemas.openxmlformats.org/markup-compatibility/2006" xmlns:mv="urn:schemas-microsoft-com:mac:vml" xmlns:c="http://schemas.openxmlformats.org/drawingml/2006/chart" xmlns:dgm="http://schemas.openxmlformats.org/drawingml/2006/diagram" xmlns:o="urn:schemas-microsoft-com:office:office" xmlns:v="urn:schemas-microsoft-com:vml" xmlns:pvml="urn:schemas-microsoft-com:office:powerpoint" xmlns:com="http://schemas.openxmlformats.org/drawingml/2006/compatibility" xmlns:p14="http://schemas.microsoft.com/office/powerpoint/2010/main" xmlns:p15="http://schemas.microsoft.com/office/powerpoint/2012/main" xmlns:ahyp="http://schemas.microsoft.com/office/drawing/2018/hyperlinkcolor" xmlns:go="http://customooxmlschemas.google.com/" textRoundtripDataId="1"/>
                   </a:ext>
                 </a:extLst>
               </a:rPr>
@@ -10131,7 +10131,7 @@
               <a:rPr lang="en-US" altLang="zh-CN" dirty="0">
                 <a:extLst>
                   <a:ext uri="http://customooxmlschemas.google.com/">
-                    <go:slidesCustomData xmlns:go="http://customooxmlschemas.google.com/" xmlns:ahyp="http://schemas.microsoft.com/office/drawing/2018/hyperlinkcolor" xmlns:p15="http://schemas.microsoft.com/office/powerpoint/2012/main" xmlns:p14="http://schemas.microsoft.com/office/powerpoint/2010/main" xmlns:com="http://schemas.openxmlformats.org/drawingml/2006/compatibility" xmlns:pvml="urn:schemas-microsoft-com:office:powerpoint" xmlns:v="urn:schemas-microsoft-com:vml" xmlns:o="urn:schemas-microsoft-com:office:office" xmlns:dgm="http://schemas.openxmlformats.org/drawingml/2006/diagram" xmlns:c="http://schemas.openxmlformats.org/drawingml/2006/chart" xmlns:mv="urn:schemas-microsoft-com:mac:vml" xmlns:mc="http://schemas.openxmlformats.org/markup-compatibility/2006" xmlns="" textRoundtripDataId="1"/>
+                    <go:slidesCustomData xmlns="" xmlns:mc="http://schemas.openxmlformats.org/markup-compatibility/2006" xmlns:mv="urn:schemas-microsoft-com:mac:vml" xmlns:c="http://schemas.openxmlformats.org/drawingml/2006/chart" xmlns:dgm="http://schemas.openxmlformats.org/drawingml/2006/diagram" xmlns:o="urn:schemas-microsoft-com:office:office" xmlns:v="urn:schemas-microsoft-com:vml" xmlns:pvml="urn:schemas-microsoft-com:office:powerpoint" xmlns:com="http://schemas.openxmlformats.org/drawingml/2006/compatibility" xmlns:p14="http://schemas.microsoft.com/office/powerpoint/2010/main" xmlns:p15="http://schemas.microsoft.com/office/powerpoint/2012/main" xmlns:ahyp="http://schemas.microsoft.com/office/drawing/2018/hyperlinkcolor" xmlns:go="http://customooxmlschemas.google.com/" textRoundtripDataId="1"/>
                   </a:ext>
                 </a:extLst>
               </a:rPr>
@@ -10140,7 +10140,7 @@
             <a:endParaRPr dirty="0">
               <a:extLst>
                 <a:ext uri="http://customooxmlschemas.google.com/">
-                  <go:slidesCustomData xmlns:go="http://customooxmlschemas.google.com/" xmlns:ahyp="http://schemas.microsoft.com/office/drawing/2018/hyperlinkcolor" xmlns:p15="http://schemas.microsoft.com/office/powerpoint/2012/main" xmlns:p14="http://schemas.microsoft.com/office/powerpoint/2010/main" xmlns:com="http://schemas.openxmlformats.org/drawingml/2006/compatibility" xmlns:pvml="urn:schemas-microsoft-com:office:powerpoint" xmlns:v="urn:schemas-microsoft-com:vml" xmlns:o="urn:schemas-microsoft-com:office:office" xmlns:dgm="http://schemas.openxmlformats.org/drawingml/2006/diagram" xmlns:c="http://schemas.openxmlformats.org/drawingml/2006/chart" xmlns:mv="urn:schemas-microsoft-com:mac:vml" xmlns:mc="http://schemas.openxmlformats.org/markup-compatibility/2006" xmlns="" textRoundtripDataId="2"/>
+                  <go:slidesCustomData xmlns="" xmlns:mc="http://schemas.openxmlformats.org/markup-compatibility/2006" xmlns:mv="urn:schemas-microsoft-com:mac:vml" xmlns:c="http://schemas.openxmlformats.org/drawingml/2006/chart" xmlns:dgm="http://schemas.openxmlformats.org/drawingml/2006/diagram" xmlns:o="urn:schemas-microsoft-com:office:office" xmlns:v="urn:schemas-microsoft-com:vml" xmlns:pvml="urn:schemas-microsoft-com:office:powerpoint" xmlns:com="http://schemas.openxmlformats.org/drawingml/2006/compatibility" xmlns:p14="http://schemas.microsoft.com/office/powerpoint/2010/main" xmlns:p15="http://schemas.microsoft.com/office/powerpoint/2012/main" xmlns:ahyp="http://schemas.microsoft.com/office/drawing/2018/hyperlinkcolor" xmlns:go="http://customooxmlschemas.google.com/" textRoundtripDataId="2"/>
                 </a:ext>
               </a:extLst>
             </a:endParaRPr>
@@ -10163,7 +10163,7 @@
               <a:rPr lang="en" dirty="0">
                 <a:extLst>
                   <a:ext uri="http://customooxmlschemas.google.com/">
-                    <go:slidesCustomData xmlns:go="http://customooxmlschemas.google.com/" xmlns:ahyp="http://schemas.microsoft.com/office/drawing/2018/hyperlinkcolor" xmlns:p15="http://schemas.microsoft.com/office/powerpoint/2012/main" xmlns:p14="http://schemas.microsoft.com/office/powerpoint/2010/main" xmlns:com="http://schemas.openxmlformats.org/drawingml/2006/compatibility" xmlns:pvml="urn:schemas-microsoft-com:office:powerpoint" xmlns:v="urn:schemas-microsoft-com:vml" xmlns:o="urn:schemas-microsoft-com:office:office" xmlns:dgm="http://schemas.openxmlformats.org/drawingml/2006/diagram" xmlns:c="http://schemas.openxmlformats.org/drawingml/2006/chart" xmlns:mv="urn:schemas-microsoft-com:mac:vml" xmlns:mc="http://schemas.openxmlformats.org/markup-compatibility/2006" xmlns="" textRoundtripDataId="3"/>
+                    <go:slidesCustomData xmlns="" xmlns:mc="http://schemas.openxmlformats.org/markup-compatibility/2006" xmlns:mv="urn:schemas-microsoft-com:mac:vml" xmlns:c="http://schemas.openxmlformats.org/drawingml/2006/chart" xmlns:dgm="http://schemas.openxmlformats.org/drawingml/2006/diagram" xmlns:o="urn:schemas-microsoft-com:office:office" xmlns:v="urn:schemas-microsoft-com:vml" xmlns:pvml="urn:schemas-microsoft-com:office:powerpoint" xmlns:com="http://schemas.openxmlformats.org/drawingml/2006/compatibility" xmlns:p14="http://schemas.microsoft.com/office/powerpoint/2010/main" xmlns:p15="http://schemas.microsoft.com/office/powerpoint/2012/main" xmlns:ahyp="http://schemas.microsoft.com/office/drawing/2018/hyperlinkcolor" xmlns:go="http://customooxmlschemas.google.com/" textRoundtripDataId="3"/>
                   </a:ext>
                 </a:extLst>
               </a:rPr>
@@ -10188,7 +10188,7 @@
               <a:rPr lang="en" dirty="0">
                 <a:extLst>
                   <a:ext uri="http://customooxmlschemas.google.com/">
-                    <go:slidesCustomData xmlns:go="http://customooxmlschemas.google.com/" xmlns:ahyp="http://schemas.microsoft.com/office/drawing/2018/hyperlinkcolor" xmlns:p15="http://schemas.microsoft.com/office/powerpoint/2012/main" xmlns:p14="http://schemas.microsoft.com/office/powerpoint/2010/main" xmlns:com="http://schemas.openxmlformats.org/drawingml/2006/compatibility" xmlns:pvml="urn:schemas-microsoft-com:office:powerpoint" xmlns:v="urn:schemas-microsoft-com:vml" xmlns:o="urn:schemas-microsoft-com:office:office" xmlns:dgm="http://schemas.openxmlformats.org/drawingml/2006/diagram" xmlns:c="http://schemas.openxmlformats.org/drawingml/2006/chart" xmlns:mv="urn:schemas-microsoft-com:mac:vml" xmlns:mc="http://schemas.openxmlformats.org/markup-compatibility/2006" xmlns="" textRoundtripDataId="4"/>
+                    <go:slidesCustomData xmlns="" xmlns:mc="http://schemas.openxmlformats.org/markup-compatibility/2006" xmlns:mv="urn:schemas-microsoft-com:mac:vml" xmlns:c="http://schemas.openxmlformats.org/drawingml/2006/chart" xmlns:dgm="http://schemas.openxmlformats.org/drawingml/2006/diagram" xmlns:o="urn:schemas-microsoft-com:office:office" xmlns:v="urn:schemas-microsoft-com:vml" xmlns:pvml="urn:schemas-microsoft-com:office:powerpoint" xmlns:com="http://schemas.openxmlformats.org/drawingml/2006/compatibility" xmlns:p14="http://schemas.microsoft.com/office/powerpoint/2010/main" xmlns:p15="http://schemas.microsoft.com/office/powerpoint/2012/main" xmlns:ahyp="http://schemas.microsoft.com/office/drawing/2018/hyperlinkcolor" xmlns:go="http://customooxmlschemas.google.com/" textRoundtripDataId="4"/>
                   </a:ext>
                 </a:extLst>
               </a:rPr>
@@ -10198,7 +10198,7 @@
               <a:rPr lang="en" dirty="0">
                 <a:extLst>
                   <a:ext uri="http://customooxmlschemas.google.com/">
-                    <go:slidesCustomData xmlns:go="http://customooxmlschemas.google.com/" xmlns:ahyp="http://schemas.microsoft.com/office/drawing/2018/hyperlinkcolor" xmlns:p15="http://schemas.microsoft.com/office/powerpoint/2012/main" xmlns:p14="http://schemas.microsoft.com/office/powerpoint/2010/main" xmlns:com="http://schemas.openxmlformats.org/drawingml/2006/compatibility" xmlns:pvml="urn:schemas-microsoft-com:office:powerpoint" xmlns:v="urn:schemas-microsoft-com:vml" xmlns:o="urn:schemas-microsoft-com:office:office" xmlns:dgm="http://schemas.openxmlformats.org/drawingml/2006/diagram" xmlns:c="http://schemas.openxmlformats.org/drawingml/2006/chart" xmlns:mv="urn:schemas-microsoft-com:mac:vml" xmlns:mc="http://schemas.openxmlformats.org/markup-compatibility/2006" xmlns="" textRoundtripDataId="5"/>
+                    <go:slidesCustomData xmlns="" xmlns:mc="http://schemas.openxmlformats.org/markup-compatibility/2006" xmlns:mv="urn:schemas-microsoft-com:mac:vml" xmlns:c="http://schemas.openxmlformats.org/drawingml/2006/chart" xmlns:dgm="http://schemas.openxmlformats.org/drawingml/2006/diagram" xmlns:o="urn:schemas-microsoft-com:office:office" xmlns:v="urn:schemas-microsoft-com:vml" xmlns:pvml="urn:schemas-microsoft-com:office:powerpoint" xmlns:com="http://schemas.openxmlformats.org/drawingml/2006/compatibility" xmlns:p14="http://schemas.microsoft.com/office/powerpoint/2010/main" xmlns:p15="http://schemas.microsoft.com/office/powerpoint/2012/main" xmlns:ahyp="http://schemas.microsoft.com/office/drawing/2018/hyperlinkcolor" xmlns:go="http://customooxmlschemas.google.com/" textRoundtripDataId="5"/>
                   </a:ext>
                 </a:extLst>
               </a:rPr>
@@ -10207,7 +10207,7 @@
             <a:endParaRPr dirty="0">
               <a:extLst>
                 <a:ext uri="http://customooxmlschemas.google.com/">
-                  <go:slidesCustomData xmlns:go="http://customooxmlschemas.google.com/" xmlns:ahyp="http://schemas.microsoft.com/office/drawing/2018/hyperlinkcolor" xmlns:p15="http://schemas.microsoft.com/office/powerpoint/2012/main" xmlns:p14="http://schemas.microsoft.com/office/powerpoint/2010/main" xmlns:com="http://schemas.openxmlformats.org/drawingml/2006/compatibility" xmlns:pvml="urn:schemas-microsoft-com:office:powerpoint" xmlns:v="urn:schemas-microsoft-com:vml" xmlns:o="urn:schemas-microsoft-com:office:office" xmlns:dgm="http://schemas.openxmlformats.org/drawingml/2006/diagram" xmlns:c="http://schemas.openxmlformats.org/drawingml/2006/chart" xmlns:mv="urn:schemas-microsoft-com:mac:vml" xmlns:mc="http://schemas.openxmlformats.org/markup-compatibility/2006" xmlns="" textRoundtripDataId="6"/>
+                  <go:slidesCustomData xmlns="" xmlns:mc="http://schemas.openxmlformats.org/markup-compatibility/2006" xmlns:mv="urn:schemas-microsoft-com:mac:vml" xmlns:c="http://schemas.openxmlformats.org/drawingml/2006/chart" xmlns:dgm="http://schemas.openxmlformats.org/drawingml/2006/diagram" xmlns:o="urn:schemas-microsoft-com:office:office" xmlns:v="urn:schemas-microsoft-com:vml" xmlns:pvml="urn:schemas-microsoft-com:office:powerpoint" xmlns:com="http://schemas.openxmlformats.org/drawingml/2006/compatibility" xmlns:p14="http://schemas.microsoft.com/office/powerpoint/2010/main" xmlns:p15="http://schemas.microsoft.com/office/powerpoint/2012/main" xmlns:ahyp="http://schemas.microsoft.com/office/drawing/2018/hyperlinkcolor" xmlns:go="http://customooxmlschemas.google.com/" textRoundtripDataId="6"/>
                 </a:ext>
               </a:extLst>
             </a:endParaRPr>
@@ -10230,7 +10230,7 @@
               <a:rPr lang="en-US" dirty="0">
                 <a:extLst>
                   <a:ext uri="http://customooxmlschemas.google.com/">
-                    <go:slidesCustomData xmlns:go="http://customooxmlschemas.google.com/" xmlns:ahyp="http://schemas.microsoft.com/office/drawing/2018/hyperlinkcolor" xmlns:p15="http://schemas.microsoft.com/office/powerpoint/2012/main" xmlns:p14="http://schemas.microsoft.com/office/powerpoint/2010/main" xmlns:com="http://schemas.openxmlformats.org/drawingml/2006/compatibility" xmlns:pvml="urn:schemas-microsoft-com:office:powerpoint" xmlns:v="urn:schemas-microsoft-com:vml" xmlns:o="urn:schemas-microsoft-com:office:office" xmlns:dgm="http://schemas.openxmlformats.org/drawingml/2006/diagram" xmlns:c="http://schemas.openxmlformats.org/drawingml/2006/chart" xmlns:mv="urn:schemas-microsoft-com:mac:vml" xmlns:mc="http://schemas.openxmlformats.org/markup-compatibility/2006" xmlns="" textRoundtripDataId="7"/>
+                    <go:slidesCustomData xmlns="" xmlns:mc="http://schemas.openxmlformats.org/markup-compatibility/2006" xmlns:mv="urn:schemas-microsoft-com:mac:vml" xmlns:c="http://schemas.openxmlformats.org/drawingml/2006/chart" xmlns:dgm="http://schemas.openxmlformats.org/drawingml/2006/diagram" xmlns:o="urn:schemas-microsoft-com:office:office" xmlns:v="urn:schemas-microsoft-com:vml" xmlns:pvml="urn:schemas-microsoft-com:office:powerpoint" xmlns:com="http://schemas.openxmlformats.org/drawingml/2006/compatibility" xmlns:p14="http://schemas.microsoft.com/office/powerpoint/2010/main" xmlns:p15="http://schemas.microsoft.com/office/powerpoint/2012/main" xmlns:ahyp="http://schemas.microsoft.com/office/drawing/2018/hyperlinkcolor" xmlns:go="http://customooxmlschemas.google.com/" textRoundtripDataId="7"/>
                   </a:ext>
                 </a:extLst>
               </a:rPr>
